--- a/module-3/ppt/3.5-Evasion.pptx
+++ b/module-3/ppt/3.5-Evasion.pptx
@@ -6,14 +6,20 @@
     <p:sldMasterId id="2147483671" r:id="rId2"/>
   </p:sldMasterIdLst>
   <p:notesMasterIdLst>
-    <p:notesMasterId r:id="rId8"/>
+    <p:notesMasterId r:id="rId14"/>
   </p:notesMasterIdLst>
   <p:sldIdLst>
     <p:sldId id="2602" r:id="rId3"/>
     <p:sldId id="330" r:id="rId4"/>
     <p:sldId id="2608" r:id="rId5"/>
-    <p:sldId id="2609" r:id="rId6"/>
-    <p:sldId id="2611" r:id="rId7"/>
+    <p:sldId id="2613" r:id="rId6"/>
+    <p:sldId id="272" r:id="rId7"/>
+    <p:sldId id="273" r:id="rId8"/>
+    <p:sldId id="274" r:id="rId9"/>
+    <p:sldId id="275" r:id="rId10"/>
+    <p:sldId id="277" r:id="rId11"/>
+    <p:sldId id="2614" r:id="rId12"/>
+    <p:sldId id="316" r:id="rId13"/>
   </p:sldIdLst>
   <p:sldSz cx="12192000" cy="6858000"/>
   <p:notesSz cx="6858000" cy="9144000"/>
@@ -202,7 +208,7 @@
           <a:p>
             <a:fld id="{ECC93BED-D6B3-334D-9CE3-F2869B7E72EB}" type="datetimeFigureOut">
               <a:rPr lang="en-US" smtClean="0"/>
-              <a:t>11/23/20</a:t>
+              <a:t>11/30/20</a:t>
             </a:fld>
             <a:endParaRPr lang="en-US"/>
           </a:p>
@@ -467,6 +473,143 @@
     </a:lvl9pPr>
   </p:notesStyle>
 </p:notesMaster>
+</file>
+
+<file path=ppt/notesSlides/notesSlide1.xml><?xml version="1.0" encoding="utf-8"?>
+<p:notes xmlns:a="http://schemas.openxmlformats.org/drawingml/2006/main" xmlns:r="http://schemas.openxmlformats.org/officeDocument/2006/relationships" xmlns:p="http://schemas.openxmlformats.org/presentationml/2006/main">
+  <p:cSld>
+    <p:bg>
+      <p:bgPr>
+        <a:solidFill>
+          <a:srgbClr val="FFFFFF"/>
+        </a:solidFill>
+        <a:effectLst/>
+      </p:bgPr>
+    </p:bg>
+    <p:spTree>
+      <p:nvGrpSpPr>
+        <p:cNvPr id="1" name=""/>
+        <p:cNvGrpSpPr/>
+        <p:nvPr/>
+      </p:nvGrpSpPr>
+      <p:grpSpPr>
+        <a:xfrm>
+          <a:off x="0" y="0"/>
+          <a:ext cx="0" cy="0"/>
+          <a:chOff x="0" y="0"/>
+          <a:chExt cx="0" cy="0"/>
+        </a:xfrm>
+      </p:grpSpPr>
+      <p:sp>
+        <p:nvSpPr>
+          <p:cNvPr id="7" name="Rectangle 7">
+            <a:extLst>
+              <a:ext uri="{FF2B5EF4-FFF2-40B4-BE49-F238E27FC236}">
+                <a16:creationId xmlns:a16="http://schemas.microsoft.com/office/drawing/2014/main" id="{AEA31869-B49F-6349-BBD0-966D450994CE}"/>
+              </a:ext>
+            </a:extLst>
+          </p:cNvPr>
+          <p:cNvSpPr>
+            <a:spLocks noGrp="1" noChangeArrowheads="1"/>
+          </p:cNvSpPr>
+          <p:nvPr>
+            <p:ph type="sldNum" sz="quarter" idx="5"/>
+          </p:nvPr>
+        </p:nvSpPr>
+        <p:spPr>
+          <a:ln/>
+        </p:spPr>
+        <p:txBody>
+          <a:bodyPr/>
+          <a:lstStyle/>
+          <a:p>
+            <a:fld id="{0AD84D60-2037-F342-B7AC-AEA399F7FC99}" type="slidenum">
+              <a:rPr lang="en-US" altLang="en-US"/>
+              <a:pPr/>
+              <a:t>11</a:t>
+            </a:fld>
+            <a:endParaRPr lang="en-US" altLang="en-US"/>
+          </a:p>
+        </p:txBody>
+      </p:sp>
+      <p:sp>
+        <p:nvSpPr>
+          <p:cNvPr id="171010" name="Text Box 2">
+            <a:extLst>
+              <a:ext uri="{FF2B5EF4-FFF2-40B4-BE49-F238E27FC236}">
+                <a16:creationId xmlns:a16="http://schemas.microsoft.com/office/drawing/2014/main" id="{487BEA95-A646-3B4B-BE0E-A458350DB3C0}"/>
+              </a:ext>
+            </a:extLst>
+          </p:cNvPr>
+          <p:cNvSpPr txBox="1">
+            <a:spLocks noChangeArrowheads="1" noTextEdit="1"/>
+          </p:cNvSpPr>
+          <p:nvPr>
+            <p:ph type="sldImg"/>
+          </p:nvPr>
+        </p:nvSpPr>
+        <p:spPr>
+          <a:xfrm>
+            <a:off x="382588" y="695325"/>
+            <a:ext cx="6091237" cy="3427413"/>
+          </a:xfrm>
+          <a:ln/>
+        </p:spPr>
+      </p:sp>
+      <p:sp>
+        <p:nvSpPr>
+          <p:cNvPr id="171011" name="Text Box 3">
+            <a:extLst>
+              <a:ext uri="{FF2B5EF4-FFF2-40B4-BE49-F238E27FC236}">
+                <a16:creationId xmlns:a16="http://schemas.microsoft.com/office/drawing/2014/main" id="{D7E69BB5-9995-5845-9984-7F3F424F9AE6}"/>
+              </a:ext>
+            </a:extLst>
+          </p:cNvPr>
+          <p:cNvSpPr txBox="1">
+            <a:spLocks noChangeArrowheads="1"/>
+          </p:cNvSpPr>
+          <p:nvPr>
+            <p:ph type="body" idx="1"/>
+          </p:nvPr>
+        </p:nvSpPr>
+        <p:spPr>
+          <a:xfrm>
+            <a:off x="685800" y="4343400"/>
+            <a:ext cx="5486400" cy="4037013"/>
+          </a:xfrm>
+          <a:ln/>
+          <a:extLst>
+            <a:ext uri="{91240B29-F687-4F45-9708-019B960494DF}">
+              <a14:hiddenLine xmlns:a14="http://schemas.microsoft.com/office/drawing/2010/main" w="9525">
+                <a:solidFill>
+                  <a:srgbClr val="000000"/>
+                </a:solidFill>
+                <a:round/>
+                <a:headEnd/>
+                <a:tailEnd/>
+              </a14:hiddenLine>
+            </a:ext>
+          </a:extLst>
+        </p:spPr>
+        <p:txBody>
+          <a:bodyPr wrap="none" anchor="ctr"/>
+          <a:lstStyle/>
+          <a:p>
+            <a:endParaRPr lang="en-US" altLang="en-US"/>
+          </a:p>
+        </p:txBody>
+      </p:sp>
+    </p:spTree>
+    <p:extLst>
+      <p:ext uri="{BB962C8B-B14F-4D97-AF65-F5344CB8AC3E}">
+        <p14:creationId xmlns:p14="http://schemas.microsoft.com/office/powerpoint/2010/main" val="165675226"/>
+      </p:ext>
+    </p:extLst>
+  </p:cSld>
+  <p:clrMapOvr>
+    <a:masterClrMapping/>
+  </p:clrMapOvr>
+</p:notes>
 </file>
 
 <file path=ppt/slideLayouts/slideLayout1.xml><?xml version="1.0" encoding="utf-8"?>
@@ -1836,7 +1979,7 @@
           <a:p>
             <a:fld id="{2AAA8945-93FC-CD4D-85EF-05021FBA20E6}" type="datetimeFigureOut">
               <a:rPr lang="en-US" smtClean="0"/>
-              <a:t>11/23/20</a:t>
+              <a:t>11/30/20</a:t>
             </a:fld>
             <a:endParaRPr lang="en-US"/>
           </a:p>
@@ -1949,7 +2092,7 @@
           <a:p>
             <a:fld id="{2AAA8945-93FC-CD4D-85EF-05021FBA20E6}" type="datetimeFigureOut">
               <a:rPr lang="en-US" smtClean="0"/>
-              <a:t>11/23/20</a:t>
+              <a:t>11/30/20</a:t>
             </a:fld>
             <a:endParaRPr lang="en-US"/>
           </a:p>
@@ -4212,6 +4355,1399 @@
 </p:sld>
 </file>
 
+<file path=ppt/slides/slide10.xml><?xml version="1.0" encoding="utf-8"?>
+<p:sld xmlns:a="http://schemas.openxmlformats.org/drawingml/2006/main" xmlns:r="http://schemas.openxmlformats.org/officeDocument/2006/relationships" xmlns:p="http://schemas.openxmlformats.org/presentationml/2006/main">
+  <p:cSld>
+    <p:spTree>
+      <p:nvGrpSpPr>
+        <p:cNvPr id="1" name=""/>
+        <p:cNvGrpSpPr/>
+        <p:nvPr/>
+      </p:nvGrpSpPr>
+      <p:grpSpPr>
+        <a:xfrm>
+          <a:off x="0" y="0"/>
+          <a:ext cx="0" cy="0"/>
+          <a:chOff x="0" y="0"/>
+          <a:chExt cx="0" cy="0"/>
+        </a:xfrm>
+      </p:grpSpPr>
+      <p:sp>
+        <p:nvSpPr>
+          <p:cNvPr id="5" name="Title 4">
+            <a:extLst>
+              <a:ext uri="{FF2B5EF4-FFF2-40B4-BE49-F238E27FC236}">
+                <a16:creationId xmlns:a16="http://schemas.microsoft.com/office/drawing/2014/main" id="{3C485A7A-6D4C-6449-95D3-D40C9E876BB6}"/>
+              </a:ext>
+            </a:extLst>
+          </p:cNvPr>
+          <p:cNvSpPr>
+            <a:spLocks noGrp="1"/>
+          </p:cNvSpPr>
+          <p:nvPr>
+            <p:ph type="ctrTitle"/>
+          </p:nvPr>
+        </p:nvSpPr>
+        <p:spPr/>
+        <p:txBody>
+          <a:bodyPr/>
+          <a:lstStyle/>
+          <a:p>
+            <a:r>
+              <a:rPr lang="en-US" dirty="0"/>
+              <a:t>Evasion </a:t>
+            </a:r>
+            <a:r>
+              <a:rPr lang="en-US"/>
+              <a:t>in Cybersecurity</a:t>
+            </a:r>
+            <a:endParaRPr lang="en-US" dirty="0"/>
+          </a:p>
+        </p:txBody>
+      </p:sp>
+    </p:spTree>
+    <p:extLst>
+      <p:ext uri="{BB962C8B-B14F-4D97-AF65-F5344CB8AC3E}">
+        <p14:creationId xmlns:p14="http://schemas.microsoft.com/office/powerpoint/2010/main" val="1514540691"/>
+      </p:ext>
+    </p:extLst>
+  </p:cSld>
+  <p:clrMapOvr>
+    <a:masterClrMapping/>
+  </p:clrMapOvr>
+</p:sld>
+</file>
+
+<file path=ppt/slides/slide11.xml><?xml version="1.0" encoding="utf-8"?>
+<p:sld xmlns:a="http://schemas.openxmlformats.org/drawingml/2006/main" xmlns:r="http://schemas.openxmlformats.org/officeDocument/2006/relationships" xmlns:p="http://schemas.openxmlformats.org/presentationml/2006/main">
+  <p:cSld>
+    <p:spTree>
+      <p:nvGrpSpPr>
+        <p:cNvPr id="1" name=""/>
+        <p:cNvGrpSpPr/>
+        <p:nvPr/>
+      </p:nvGrpSpPr>
+      <p:grpSpPr>
+        <a:xfrm>
+          <a:off x="0" y="0"/>
+          <a:ext cx="0" cy="0"/>
+          <a:chOff x="0" y="0"/>
+          <a:chExt cx="0" cy="0"/>
+        </a:xfrm>
+      </p:grpSpPr>
+      <p:sp>
+        <p:nvSpPr>
+          <p:cNvPr id="169986" name="Rectangle 2">
+            <a:extLst>
+              <a:ext uri="{FF2B5EF4-FFF2-40B4-BE49-F238E27FC236}">
+                <a16:creationId xmlns:a16="http://schemas.microsoft.com/office/drawing/2014/main" id="{9A2F535F-2E67-B344-9BEC-905C2B067A1B}"/>
+              </a:ext>
+            </a:extLst>
+          </p:cNvPr>
+          <p:cNvSpPr>
+            <a:spLocks noGrp="1" noChangeArrowheads="1"/>
+          </p:cNvSpPr>
+          <p:nvPr>
+            <p:ph type="title"/>
+          </p:nvPr>
+        </p:nvSpPr>
+        <p:spPr>
+          <a:xfrm>
+            <a:off x="1752600" y="331788"/>
+            <a:ext cx="8688388" cy="1060450"/>
+          </a:xfrm>
+          <a:ln/>
+          <a:extLst>
+            <a:ext uri="{91240B29-F687-4F45-9708-019B960494DF}">
+              <a14:hiddenLine xmlns:a14="http://schemas.microsoft.com/office/drawing/2010/main" w="9525">
+                <a:solidFill>
+                  <a:srgbClr val="000000"/>
+                </a:solidFill>
+                <a:round/>
+                <a:headEnd/>
+                <a:tailEnd/>
+              </a14:hiddenLine>
+            </a:ext>
+          </a:extLst>
+        </p:spPr>
+        <p:txBody>
+          <a:bodyPr vert="horz" lIns="0" tIns="0" rIns="0" bIns="0" rtlCol="0" anchor="ctr">
+            <a:normAutofit/>
+          </a:bodyPr>
+          <a:lstStyle/>
+          <a:p>
+            <a:pPr defTabSz="449263">
+              <a:tabLst>
+                <a:tab pos="723900" algn="l"/>
+                <a:tab pos="1447800" algn="l"/>
+                <a:tab pos="2171700" algn="l"/>
+                <a:tab pos="2895600" algn="l"/>
+                <a:tab pos="3619500" algn="l"/>
+                <a:tab pos="4343400" algn="l"/>
+                <a:tab pos="5067300" algn="l"/>
+                <a:tab pos="5789613" algn="l"/>
+                <a:tab pos="6515100" algn="l"/>
+                <a:tab pos="7237413" algn="l"/>
+                <a:tab pos="7961313" algn="l"/>
+                <a:tab pos="8686800" algn="l"/>
+              </a:tabLst>
+            </a:pPr>
+            <a:r>
+              <a:rPr lang="fi-FI" altLang="en-US" dirty="0" err="1"/>
+              <a:t>Evasion</a:t>
+            </a:r>
+            <a:r>
+              <a:rPr lang="fi-FI" altLang="en-US" dirty="0"/>
+              <a:t> of </a:t>
+            </a:r>
+            <a:r>
+              <a:rPr lang="fi-FI" altLang="en-US" dirty="0" err="1"/>
+              <a:t>Spam</a:t>
+            </a:r>
+            <a:r>
+              <a:rPr lang="fi-FI" altLang="en-US" dirty="0"/>
+              <a:t> </a:t>
+            </a:r>
+            <a:r>
+              <a:rPr lang="fi-FI" altLang="en-US" dirty="0" err="1"/>
+              <a:t>Filters</a:t>
+            </a:r>
+            <a:endParaRPr lang="fi-FI" altLang="en-US" dirty="0"/>
+          </a:p>
+        </p:txBody>
+      </p:sp>
+      <p:pic>
+        <p:nvPicPr>
+          <p:cNvPr id="169988" name="Picture 4">
+            <a:extLst>
+              <a:ext uri="{FF2B5EF4-FFF2-40B4-BE49-F238E27FC236}">
+                <a16:creationId xmlns:a16="http://schemas.microsoft.com/office/drawing/2014/main" id="{E4AA2896-F74C-C24D-A953-3FC69204F6CD}"/>
+              </a:ext>
+            </a:extLst>
+          </p:cNvPr>
+          <p:cNvPicPr>
+            <a:picLocks noChangeAspect="1" noChangeArrowheads="1"/>
+          </p:cNvPicPr>
+          <p:nvPr/>
+        </p:nvPicPr>
+        <p:blipFill>
+          <a:blip r:embed="rId3">
+            <a:extLst>
+              <a:ext uri="{28A0092B-C50C-407E-A947-70E740481C1C}">
+                <a14:useLocalDpi xmlns:a14="http://schemas.microsoft.com/office/drawing/2010/main" val="0"/>
+              </a:ext>
+            </a:extLst>
+          </a:blip>
+          <a:srcRect/>
+          <a:stretch>
+            <a:fillRect/>
+          </a:stretch>
+        </p:blipFill>
+        <p:spPr bwMode="auto">
+          <a:xfrm>
+            <a:off x="1828800" y="1627188"/>
+            <a:ext cx="4114800" cy="3086100"/>
+          </a:xfrm>
+          <a:prstGeom prst="rect">
+            <a:avLst/>
+          </a:prstGeom>
+          <a:noFill/>
+          <a:ln>
+            <a:noFill/>
+          </a:ln>
+          <a:effectLst/>
+          <a:extLst>
+            <a:ext uri="{909E8E84-426E-40DD-AFC4-6F175D3DCCD1}">
+              <a14:hiddenFill xmlns:a14="http://schemas.microsoft.com/office/drawing/2010/main">
+                <a:blipFill dpi="0" rotWithShape="0">
+                  <a:blip/>
+                  <a:srcRect/>
+                  <a:stretch>
+                    <a:fillRect/>
+                  </a:stretch>
+                </a:blipFill>
+              </a14:hiddenFill>
+            </a:ext>
+            <a:ext uri="{91240B29-F687-4F45-9708-019B960494DF}">
+              <a14:hiddenLine xmlns:a14="http://schemas.microsoft.com/office/drawing/2010/main" w="9525">
+                <a:solidFill>
+                  <a:srgbClr val="000000"/>
+                </a:solidFill>
+                <a:round/>
+                <a:headEnd/>
+                <a:tailEnd/>
+              </a14:hiddenLine>
+            </a:ext>
+            <a:ext uri="{AF507438-7753-43E0-B8FC-AC1667EBCBE1}">
+              <a14:hiddenEffects xmlns:a14="http://schemas.microsoft.com/office/drawing/2010/main">
+                <a:effectLst>
+                  <a:outerShdw dist="35921" dir="2700000" algn="ctr" rotWithShape="0">
+                    <a:srgbClr val="808080"/>
+                  </a:outerShdw>
+                </a:effectLst>
+              </a14:hiddenEffects>
+            </a:ext>
+          </a:extLst>
+        </p:spPr>
+      </p:pic>
+      <p:pic>
+        <p:nvPicPr>
+          <p:cNvPr id="169990" name="Picture 6">
+            <a:extLst>
+              <a:ext uri="{FF2B5EF4-FFF2-40B4-BE49-F238E27FC236}">
+                <a16:creationId xmlns:a16="http://schemas.microsoft.com/office/drawing/2014/main" id="{D9C90107-B8F8-3A45-9C6A-FF94946B94A9}"/>
+              </a:ext>
+            </a:extLst>
+          </p:cNvPr>
+          <p:cNvPicPr>
+            <a:picLocks noChangeAspect="1" noChangeArrowheads="1"/>
+          </p:cNvPicPr>
+          <p:nvPr/>
+        </p:nvPicPr>
+        <p:blipFill>
+          <a:blip r:embed="rId4">
+            <a:extLst>
+              <a:ext uri="{28A0092B-C50C-407E-A947-70E740481C1C}">
+                <a14:useLocalDpi xmlns:a14="http://schemas.microsoft.com/office/drawing/2010/main" val="0"/>
+              </a:ext>
+            </a:extLst>
+          </a:blip>
+          <a:srcRect/>
+          <a:stretch>
+            <a:fillRect/>
+          </a:stretch>
+        </p:blipFill>
+        <p:spPr bwMode="auto">
+          <a:xfrm>
+            <a:off x="3657600" y="2693988"/>
+            <a:ext cx="3505200" cy="3155950"/>
+          </a:xfrm>
+          <a:prstGeom prst="rect">
+            <a:avLst/>
+          </a:prstGeom>
+          <a:noFill/>
+          <a:ln>
+            <a:noFill/>
+          </a:ln>
+          <a:effectLst/>
+          <a:extLst>
+            <a:ext uri="{909E8E84-426E-40DD-AFC4-6F175D3DCCD1}">
+              <a14:hiddenFill xmlns:a14="http://schemas.microsoft.com/office/drawing/2010/main">
+                <a:blipFill dpi="0" rotWithShape="0">
+                  <a:blip/>
+                  <a:srcRect/>
+                  <a:stretch>
+                    <a:fillRect/>
+                  </a:stretch>
+                </a:blipFill>
+              </a14:hiddenFill>
+            </a:ext>
+            <a:ext uri="{91240B29-F687-4F45-9708-019B960494DF}">
+              <a14:hiddenLine xmlns:a14="http://schemas.microsoft.com/office/drawing/2010/main" w="9525">
+                <a:solidFill>
+                  <a:srgbClr val="000000"/>
+                </a:solidFill>
+                <a:round/>
+                <a:headEnd/>
+                <a:tailEnd/>
+              </a14:hiddenLine>
+            </a:ext>
+            <a:ext uri="{AF507438-7753-43E0-B8FC-AC1667EBCBE1}">
+              <a14:hiddenEffects xmlns:a14="http://schemas.microsoft.com/office/drawing/2010/main">
+                <a:effectLst>
+                  <a:outerShdw dist="35921" dir="2700000" algn="ctr" rotWithShape="0">
+                    <a:srgbClr val="808080"/>
+                  </a:outerShdw>
+                </a:effectLst>
+              </a14:hiddenEffects>
+            </a:ext>
+          </a:extLst>
+        </p:spPr>
+      </p:pic>
+      <p:sp>
+        <p:nvSpPr>
+          <p:cNvPr id="169991" name="Text Box 7">
+            <a:extLst>
+              <a:ext uri="{FF2B5EF4-FFF2-40B4-BE49-F238E27FC236}">
+                <a16:creationId xmlns:a16="http://schemas.microsoft.com/office/drawing/2014/main" id="{AB4AA1E7-7535-244F-95E7-018AA9F97A8E}"/>
+              </a:ext>
+            </a:extLst>
+          </p:cNvPr>
+          <p:cNvSpPr txBox="1">
+            <a:spLocks noChangeArrowheads="1"/>
+          </p:cNvSpPr>
+          <p:nvPr/>
+        </p:nvSpPr>
+        <p:spPr bwMode="auto">
+          <a:xfrm>
+            <a:off x="4648201" y="6262688"/>
+            <a:ext cx="2735263" cy="442912"/>
+          </a:xfrm>
+          <a:prstGeom prst="rect">
+            <a:avLst/>
+          </a:prstGeom>
+          <a:noFill/>
+          <a:ln>
+            <a:noFill/>
+          </a:ln>
+          <a:effectLst/>
+          <a:extLst>
+            <a:ext uri="{909E8E84-426E-40DD-AFC4-6F175D3DCCD1}">
+              <a14:hiddenFill xmlns:a14="http://schemas.microsoft.com/office/drawing/2010/main">
+                <a:solidFill>
+                  <a:srgbClr val="FFFFFF"/>
+                </a:solidFill>
+              </a14:hiddenFill>
+            </a:ext>
+            <a:ext uri="{91240B29-F687-4F45-9708-019B960494DF}">
+              <a14:hiddenLine xmlns:a14="http://schemas.microsoft.com/office/drawing/2010/main" w="9525">
+                <a:solidFill>
+                  <a:srgbClr val="000000"/>
+                </a:solidFill>
+                <a:round/>
+                <a:headEnd/>
+                <a:tailEnd/>
+              </a14:hiddenLine>
+            </a:ext>
+            <a:ext uri="{AF507438-7753-43E0-B8FC-AC1667EBCBE1}">
+              <a14:hiddenEffects xmlns:a14="http://schemas.microsoft.com/office/drawing/2010/main">
+                <a:effectLst>
+                  <a:outerShdw dist="35921" dir="2700000" algn="ctr" rotWithShape="0">
+                    <a:srgbClr val="808080"/>
+                  </a:outerShdw>
+                </a:effectLst>
+              </a14:hiddenEffects>
+            </a:ext>
+          </a:extLst>
+        </p:spPr>
+        <p:txBody>
+          <a:bodyPr wrap="none" lIns="81631" tIns="40816" rIns="81631" bIns="40816"/>
+          <a:lstStyle>
+            <a:lvl1pPr defTabSz="407988">
+              <a:tabLst>
+                <a:tab pos="657225" algn="l"/>
+                <a:tab pos="1312863" algn="l"/>
+                <a:tab pos="1970088" algn="l"/>
+                <a:tab pos="2627313" algn="l"/>
+              </a:tabLst>
+              <a:defRPr>
+                <a:solidFill>
+                  <a:schemeClr val="tx1"/>
+                </a:solidFill>
+                <a:latin typeface="Arial" panose="020B0604020202020204" pitchFamily="34" charset="0"/>
+              </a:defRPr>
+            </a:lvl1pPr>
+            <a:lvl2pPr marL="392113" indent="-196850" defTabSz="407988">
+              <a:tabLst>
+                <a:tab pos="657225" algn="l"/>
+                <a:tab pos="1312863" algn="l"/>
+                <a:tab pos="1970088" algn="l"/>
+                <a:tab pos="2627313" algn="l"/>
+              </a:tabLst>
+              <a:defRPr>
+                <a:solidFill>
+                  <a:schemeClr val="tx1"/>
+                </a:solidFill>
+                <a:latin typeface="Arial" panose="020B0604020202020204" pitchFamily="34" charset="0"/>
+              </a:defRPr>
+            </a:lvl2pPr>
+            <a:lvl3pPr marL="587375" indent="-195263" defTabSz="407988">
+              <a:tabLst>
+                <a:tab pos="657225" algn="l"/>
+                <a:tab pos="1312863" algn="l"/>
+                <a:tab pos="1970088" algn="l"/>
+                <a:tab pos="2627313" algn="l"/>
+              </a:tabLst>
+              <a:defRPr>
+                <a:solidFill>
+                  <a:schemeClr val="tx1"/>
+                </a:solidFill>
+                <a:latin typeface="Arial" panose="020B0604020202020204" pitchFamily="34" charset="0"/>
+              </a:defRPr>
+            </a:lvl3pPr>
+            <a:lvl4pPr marL="782638" indent="-195263" defTabSz="407988">
+              <a:tabLst>
+                <a:tab pos="657225" algn="l"/>
+                <a:tab pos="1312863" algn="l"/>
+                <a:tab pos="1970088" algn="l"/>
+                <a:tab pos="2627313" algn="l"/>
+              </a:tabLst>
+              <a:defRPr>
+                <a:solidFill>
+                  <a:schemeClr val="tx1"/>
+                </a:solidFill>
+                <a:latin typeface="Arial" panose="020B0604020202020204" pitchFamily="34" charset="0"/>
+              </a:defRPr>
+            </a:lvl4pPr>
+            <a:lvl5pPr marL="979488" indent="-196850" defTabSz="407988">
+              <a:tabLst>
+                <a:tab pos="657225" algn="l"/>
+                <a:tab pos="1312863" algn="l"/>
+                <a:tab pos="1970088" algn="l"/>
+                <a:tab pos="2627313" algn="l"/>
+              </a:tabLst>
+              <a:defRPr>
+                <a:solidFill>
+                  <a:schemeClr val="tx1"/>
+                </a:solidFill>
+                <a:latin typeface="Arial" panose="020B0604020202020204" pitchFamily="34" charset="0"/>
+              </a:defRPr>
+            </a:lvl5pPr>
+            <a:lvl6pPr marL="1436688" indent="-196850" defTabSz="407988" fontAlgn="base">
+              <a:spcBef>
+                <a:spcPct val="0"/>
+              </a:spcBef>
+              <a:spcAft>
+                <a:spcPct val="0"/>
+              </a:spcAft>
+              <a:tabLst>
+                <a:tab pos="657225" algn="l"/>
+                <a:tab pos="1312863" algn="l"/>
+                <a:tab pos="1970088" algn="l"/>
+                <a:tab pos="2627313" algn="l"/>
+              </a:tabLst>
+              <a:defRPr>
+                <a:solidFill>
+                  <a:schemeClr val="tx1"/>
+                </a:solidFill>
+                <a:latin typeface="Arial" panose="020B0604020202020204" pitchFamily="34" charset="0"/>
+              </a:defRPr>
+            </a:lvl6pPr>
+            <a:lvl7pPr marL="1893888" indent="-196850" defTabSz="407988" fontAlgn="base">
+              <a:spcBef>
+                <a:spcPct val="0"/>
+              </a:spcBef>
+              <a:spcAft>
+                <a:spcPct val="0"/>
+              </a:spcAft>
+              <a:tabLst>
+                <a:tab pos="657225" algn="l"/>
+                <a:tab pos="1312863" algn="l"/>
+                <a:tab pos="1970088" algn="l"/>
+                <a:tab pos="2627313" algn="l"/>
+              </a:tabLst>
+              <a:defRPr>
+                <a:solidFill>
+                  <a:schemeClr val="tx1"/>
+                </a:solidFill>
+                <a:latin typeface="Arial" panose="020B0604020202020204" pitchFamily="34" charset="0"/>
+              </a:defRPr>
+            </a:lvl7pPr>
+            <a:lvl8pPr marL="2351088" indent="-196850" defTabSz="407988" fontAlgn="base">
+              <a:spcBef>
+                <a:spcPct val="0"/>
+              </a:spcBef>
+              <a:spcAft>
+                <a:spcPct val="0"/>
+              </a:spcAft>
+              <a:tabLst>
+                <a:tab pos="657225" algn="l"/>
+                <a:tab pos="1312863" algn="l"/>
+                <a:tab pos="1970088" algn="l"/>
+                <a:tab pos="2627313" algn="l"/>
+              </a:tabLst>
+              <a:defRPr>
+                <a:solidFill>
+                  <a:schemeClr val="tx1"/>
+                </a:solidFill>
+                <a:latin typeface="Arial" panose="020B0604020202020204" pitchFamily="34" charset="0"/>
+              </a:defRPr>
+            </a:lvl8pPr>
+            <a:lvl9pPr marL="2808288" indent="-196850" defTabSz="407988" fontAlgn="base">
+              <a:spcBef>
+                <a:spcPct val="0"/>
+              </a:spcBef>
+              <a:spcAft>
+                <a:spcPct val="0"/>
+              </a:spcAft>
+              <a:tabLst>
+                <a:tab pos="657225" algn="l"/>
+                <a:tab pos="1312863" algn="l"/>
+                <a:tab pos="1970088" algn="l"/>
+                <a:tab pos="2627313" algn="l"/>
+              </a:tabLst>
+              <a:defRPr>
+                <a:solidFill>
+                  <a:schemeClr val="tx1"/>
+                </a:solidFill>
+                <a:latin typeface="Arial" panose="020B0604020202020204" pitchFamily="34" charset="0"/>
+              </a:defRPr>
+            </a:lvl9pPr>
+          </a:lstStyle>
+          <a:p>
+            <a:pPr hangingPunct="0">
+              <a:lnSpc>
+                <a:spcPct val="93000"/>
+              </a:lnSpc>
+              <a:buClr>
+                <a:srgbClr val="000000"/>
+              </a:buClr>
+              <a:buSzPct val="45000"/>
+              <a:buFont typeface="Wingdings" pitchFamily="2" charset="2"/>
+              <a:buNone/>
+            </a:pPr>
+            <a:r>
+              <a:rPr lang="fi-FI" altLang="en-US" sz="2500">
+                <a:solidFill>
+                  <a:srgbClr val="000000"/>
+                </a:solidFill>
+              </a:rPr>
+              <a:t>...even mp3s!</a:t>
+            </a:r>
+          </a:p>
+        </p:txBody>
+      </p:sp>
+      <p:sp>
+        <p:nvSpPr>
+          <p:cNvPr id="169992" name="Text Box 8">
+            <a:extLst>
+              <a:ext uri="{FF2B5EF4-FFF2-40B4-BE49-F238E27FC236}">
+                <a16:creationId xmlns:a16="http://schemas.microsoft.com/office/drawing/2014/main" id="{9B8E7962-32EE-6746-AFDC-EE23B9715CED}"/>
+              </a:ext>
+            </a:extLst>
+          </p:cNvPr>
+          <p:cNvSpPr txBox="1">
+            <a:spLocks noChangeArrowheads="1"/>
+          </p:cNvSpPr>
+          <p:nvPr/>
+        </p:nvSpPr>
+        <p:spPr bwMode="auto">
+          <a:xfrm>
+            <a:off x="6096000" y="1855789"/>
+            <a:ext cx="1036638" cy="441325"/>
+          </a:xfrm>
+          <a:prstGeom prst="rect">
+            <a:avLst/>
+          </a:prstGeom>
+          <a:noFill/>
+          <a:ln>
+            <a:noFill/>
+          </a:ln>
+          <a:effectLst/>
+          <a:extLst>
+            <a:ext uri="{909E8E84-426E-40DD-AFC4-6F175D3DCCD1}">
+              <a14:hiddenFill xmlns:a14="http://schemas.microsoft.com/office/drawing/2010/main">
+                <a:solidFill>
+                  <a:srgbClr val="FFFFFF"/>
+                </a:solidFill>
+              </a14:hiddenFill>
+            </a:ext>
+            <a:ext uri="{91240B29-F687-4F45-9708-019B960494DF}">
+              <a14:hiddenLine xmlns:a14="http://schemas.microsoft.com/office/drawing/2010/main" w="9525">
+                <a:solidFill>
+                  <a:srgbClr val="000000"/>
+                </a:solidFill>
+                <a:round/>
+                <a:headEnd/>
+                <a:tailEnd/>
+              </a14:hiddenLine>
+            </a:ext>
+            <a:ext uri="{AF507438-7753-43E0-B8FC-AC1667EBCBE1}">
+              <a14:hiddenEffects xmlns:a14="http://schemas.microsoft.com/office/drawing/2010/main">
+                <a:effectLst>
+                  <a:outerShdw dist="35921" dir="2700000" algn="ctr" rotWithShape="0">
+                    <a:srgbClr val="808080"/>
+                  </a:outerShdw>
+                </a:effectLst>
+              </a14:hiddenEffects>
+            </a:ext>
+          </a:extLst>
+        </p:spPr>
+        <p:txBody>
+          <a:bodyPr lIns="81631" tIns="40816" rIns="81631" bIns="40816"/>
+          <a:lstStyle>
+            <a:lvl1pPr defTabSz="407988">
+              <a:tabLst>
+                <a:tab pos="657225" algn="l"/>
+              </a:tabLst>
+              <a:defRPr>
+                <a:solidFill>
+                  <a:schemeClr val="tx1"/>
+                </a:solidFill>
+                <a:latin typeface="Arial" panose="020B0604020202020204" pitchFamily="34" charset="0"/>
+              </a:defRPr>
+            </a:lvl1pPr>
+            <a:lvl2pPr marL="392113" indent="-196850" defTabSz="407988">
+              <a:tabLst>
+                <a:tab pos="657225" algn="l"/>
+              </a:tabLst>
+              <a:defRPr>
+                <a:solidFill>
+                  <a:schemeClr val="tx1"/>
+                </a:solidFill>
+                <a:latin typeface="Arial" panose="020B0604020202020204" pitchFamily="34" charset="0"/>
+              </a:defRPr>
+            </a:lvl2pPr>
+            <a:lvl3pPr marL="587375" indent="-195263" defTabSz="407988">
+              <a:tabLst>
+                <a:tab pos="657225" algn="l"/>
+              </a:tabLst>
+              <a:defRPr>
+                <a:solidFill>
+                  <a:schemeClr val="tx1"/>
+                </a:solidFill>
+                <a:latin typeface="Arial" panose="020B0604020202020204" pitchFamily="34" charset="0"/>
+              </a:defRPr>
+            </a:lvl3pPr>
+            <a:lvl4pPr marL="782638" indent="-195263" defTabSz="407988">
+              <a:tabLst>
+                <a:tab pos="657225" algn="l"/>
+              </a:tabLst>
+              <a:defRPr>
+                <a:solidFill>
+                  <a:schemeClr val="tx1"/>
+                </a:solidFill>
+                <a:latin typeface="Arial" panose="020B0604020202020204" pitchFamily="34" charset="0"/>
+              </a:defRPr>
+            </a:lvl4pPr>
+            <a:lvl5pPr marL="979488" indent="-196850" defTabSz="407988">
+              <a:tabLst>
+                <a:tab pos="657225" algn="l"/>
+              </a:tabLst>
+              <a:defRPr>
+                <a:solidFill>
+                  <a:schemeClr val="tx1"/>
+                </a:solidFill>
+                <a:latin typeface="Arial" panose="020B0604020202020204" pitchFamily="34" charset="0"/>
+              </a:defRPr>
+            </a:lvl5pPr>
+            <a:lvl6pPr marL="1436688" indent="-196850" defTabSz="407988" fontAlgn="base">
+              <a:spcBef>
+                <a:spcPct val="0"/>
+              </a:spcBef>
+              <a:spcAft>
+                <a:spcPct val="0"/>
+              </a:spcAft>
+              <a:tabLst>
+                <a:tab pos="657225" algn="l"/>
+              </a:tabLst>
+              <a:defRPr>
+                <a:solidFill>
+                  <a:schemeClr val="tx1"/>
+                </a:solidFill>
+                <a:latin typeface="Arial" panose="020B0604020202020204" pitchFamily="34" charset="0"/>
+              </a:defRPr>
+            </a:lvl6pPr>
+            <a:lvl7pPr marL="1893888" indent="-196850" defTabSz="407988" fontAlgn="base">
+              <a:spcBef>
+                <a:spcPct val="0"/>
+              </a:spcBef>
+              <a:spcAft>
+                <a:spcPct val="0"/>
+              </a:spcAft>
+              <a:tabLst>
+                <a:tab pos="657225" algn="l"/>
+              </a:tabLst>
+              <a:defRPr>
+                <a:solidFill>
+                  <a:schemeClr val="tx1"/>
+                </a:solidFill>
+                <a:latin typeface="Arial" panose="020B0604020202020204" pitchFamily="34" charset="0"/>
+              </a:defRPr>
+            </a:lvl7pPr>
+            <a:lvl8pPr marL="2351088" indent="-196850" defTabSz="407988" fontAlgn="base">
+              <a:spcBef>
+                <a:spcPct val="0"/>
+              </a:spcBef>
+              <a:spcAft>
+                <a:spcPct val="0"/>
+              </a:spcAft>
+              <a:tabLst>
+                <a:tab pos="657225" algn="l"/>
+              </a:tabLst>
+              <a:defRPr>
+                <a:solidFill>
+                  <a:schemeClr val="tx1"/>
+                </a:solidFill>
+                <a:latin typeface="Arial" panose="020B0604020202020204" pitchFamily="34" charset="0"/>
+              </a:defRPr>
+            </a:lvl8pPr>
+            <a:lvl9pPr marL="2808288" indent="-196850" defTabSz="407988" fontAlgn="base">
+              <a:spcBef>
+                <a:spcPct val="0"/>
+              </a:spcBef>
+              <a:spcAft>
+                <a:spcPct val="0"/>
+              </a:spcAft>
+              <a:tabLst>
+                <a:tab pos="657225" algn="l"/>
+              </a:tabLst>
+              <a:defRPr>
+                <a:solidFill>
+                  <a:schemeClr val="tx1"/>
+                </a:solidFill>
+                <a:latin typeface="Arial" panose="020B0604020202020204" pitchFamily="34" charset="0"/>
+              </a:defRPr>
+            </a:lvl9pPr>
+          </a:lstStyle>
+          <a:p>
+            <a:pPr hangingPunct="0">
+              <a:lnSpc>
+                <a:spcPct val="93000"/>
+              </a:lnSpc>
+              <a:buClr>
+                <a:srgbClr val="000000"/>
+              </a:buClr>
+              <a:buSzPct val="45000"/>
+              <a:buFont typeface="Wingdings" pitchFamily="2" charset="2"/>
+              <a:buNone/>
+            </a:pPr>
+            <a:r>
+              <a:rPr lang="fi-FI" altLang="en-US" sz="2500" b="1">
+                <a:solidFill>
+                  <a:srgbClr val="000000"/>
+                </a:solidFill>
+              </a:rPr>
+              <a:t>PDFs</a:t>
+            </a:r>
+          </a:p>
+        </p:txBody>
+      </p:sp>
+      <p:sp>
+        <p:nvSpPr>
+          <p:cNvPr id="169993" name="Text Box 9">
+            <a:extLst>
+              <a:ext uri="{FF2B5EF4-FFF2-40B4-BE49-F238E27FC236}">
+                <a16:creationId xmlns:a16="http://schemas.microsoft.com/office/drawing/2014/main" id="{5DC93341-62A7-534A-BA25-77101E6F7C61}"/>
+              </a:ext>
+            </a:extLst>
+          </p:cNvPr>
+          <p:cNvSpPr txBox="1">
+            <a:spLocks noChangeArrowheads="1"/>
+          </p:cNvSpPr>
+          <p:nvPr/>
+        </p:nvSpPr>
+        <p:spPr bwMode="auto">
+          <a:xfrm>
+            <a:off x="2773363" y="5394325"/>
+            <a:ext cx="163512" cy="387350"/>
+          </a:xfrm>
+          <a:prstGeom prst="rect">
+            <a:avLst/>
+          </a:prstGeom>
+          <a:noFill/>
+          <a:ln>
+            <a:noFill/>
+          </a:ln>
+          <a:effectLst/>
+          <a:extLst>
+            <a:ext uri="{909E8E84-426E-40DD-AFC4-6F175D3DCCD1}">
+              <a14:hiddenFill xmlns:a14="http://schemas.microsoft.com/office/drawing/2010/main">
+                <a:solidFill>
+                  <a:srgbClr val="FFFFFF"/>
+                </a:solidFill>
+              </a14:hiddenFill>
+            </a:ext>
+            <a:ext uri="{91240B29-F687-4F45-9708-019B960494DF}">
+              <a14:hiddenLine xmlns:a14="http://schemas.microsoft.com/office/drawing/2010/main" w="9525">
+                <a:solidFill>
+                  <a:srgbClr val="000000"/>
+                </a:solidFill>
+                <a:round/>
+                <a:headEnd/>
+                <a:tailEnd/>
+              </a14:hiddenLine>
+            </a:ext>
+            <a:ext uri="{AF507438-7753-43E0-B8FC-AC1667EBCBE1}">
+              <a14:hiddenEffects xmlns:a14="http://schemas.microsoft.com/office/drawing/2010/main">
+                <a:effectLst>
+                  <a:outerShdw dist="35921" dir="2700000" algn="ctr" rotWithShape="0">
+                    <a:srgbClr val="808080"/>
+                  </a:outerShdw>
+                </a:effectLst>
+              </a14:hiddenEffects>
+            </a:ext>
+          </a:extLst>
+        </p:spPr>
+        <p:txBody>
+          <a:bodyPr wrap="none" anchor="ctr"/>
+          <a:lstStyle/>
+          <a:p>
+            <a:endParaRPr lang="en-US"/>
+          </a:p>
+        </p:txBody>
+      </p:sp>
+      <p:sp>
+        <p:nvSpPr>
+          <p:cNvPr id="169994" name="Text Box 10">
+            <a:extLst>
+              <a:ext uri="{FF2B5EF4-FFF2-40B4-BE49-F238E27FC236}">
+                <a16:creationId xmlns:a16="http://schemas.microsoft.com/office/drawing/2014/main" id="{6C3B3B4C-B761-E946-8887-B42F1FBC9FAC}"/>
+              </a:ext>
+            </a:extLst>
+          </p:cNvPr>
+          <p:cNvSpPr txBox="1">
+            <a:spLocks noChangeArrowheads="1"/>
+          </p:cNvSpPr>
+          <p:nvPr/>
+        </p:nvSpPr>
+        <p:spPr bwMode="auto">
+          <a:xfrm>
+            <a:off x="7315200" y="2770189"/>
+            <a:ext cx="2713038" cy="441325"/>
+          </a:xfrm>
+          <a:prstGeom prst="rect">
+            <a:avLst/>
+          </a:prstGeom>
+          <a:noFill/>
+          <a:ln>
+            <a:noFill/>
+          </a:ln>
+          <a:effectLst/>
+          <a:extLst>
+            <a:ext uri="{909E8E84-426E-40DD-AFC4-6F175D3DCCD1}">
+              <a14:hiddenFill xmlns:a14="http://schemas.microsoft.com/office/drawing/2010/main">
+                <a:solidFill>
+                  <a:srgbClr val="FFFFFF"/>
+                </a:solidFill>
+              </a14:hiddenFill>
+            </a:ext>
+            <a:ext uri="{91240B29-F687-4F45-9708-019B960494DF}">
+              <a14:hiddenLine xmlns:a14="http://schemas.microsoft.com/office/drawing/2010/main" w="9525">
+                <a:solidFill>
+                  <a:srgbClr val="000000"/>
+                </a:solidFill>
+                <a:round/>
+                <a:headEnd/>
+                <a:tailEnd/>
+              </a14:hiddenLine>
+            </a:ext>
+            <a:ext uri="{AF507438-7753-43E0-B8FC-AC1667EBCBE1}">
+              <a14:hiddenEffects xmlns:a14="http://schemas.microsoft.com/office/drawing/2010/main">
+                <a:effectLst>
+                  <a:outerShdw dist="35921" dir="2700000" algn="ctr" rotWithShape="0">
+                    <a:srgbClr val="808080"/>
+                  </a:outerShdw>
+                </a:effectLst>
+              </a14:hiddenEffects>
+            </a:ext>
+          </a:extLst>
+        </p:spPr>
+        <p:txBody>
+          <a:bodyPr lIns="81631" tIns="40816" rIns="81631" bIns="40816"/>
+          <a:lstStyle>
+            <a:lvl1pPr defTabSz="407988">
+              <a:tabLst>
+                <a:tab pos="657225" algn="l"/>
+                <a:tab pos="1312863" algn="l"/>
+                <a:tab pos="1970088" algn="l"/>
+                <a:tab pos="2627313" algn="l"/>
+              </a:tabLst>
+              <a:defRPr>
+                <a:solidFill>
+                  <a:schemeClr val="tx1"/>
+                </a:solidFill>
+                <a:latin typeface="Arial" panose="020B0604020202020204" pitchFamily="34" charset="0"/>
+              </a:defRPr>
+            </a:lvl1pPr>
+            <a:lvl2pPr marL="392113" indent="-196850" defTabSz="407988">
+              <a:tabLst>
+                <a:tab pos="657225" algn="l"/>
+                <a:tab pos="1312863" algn="l"/>
+                <a:tab pos="1970088" algn="l"/>
+                <a:tab pos="2627313" algn="l"/>
+              </a:tabLst>
+              <a:defRPr>
+                <a:solidFill>
+                  <a:schemeClr val="tx1"/>
+                </a:solidFill>
+                <a:latin typeface="Arial" panose="020B0604020202020204" pitchFamily="34" charset="0"/>
+              </a:defRPr>
+            </a:lvl2pPr>
+            <a:lvl3pPr marL="587375" indent="-195263" defTabSz="407988">
+              <a:tabLst>
+                <a:tab pos="657225" algn="l"/>
+                <a:tab pos="1312863" algn="l"/>
+                <a:tab pos="1970088" algn="l"/>
+                <a:tab pos="2627313" algn="l"/>
+              </a:tabLst>
+              <a:defRPr>
+                <a:solidFill>
+                  <a:schemeClr val="tx1"/>
+                </a:solidFill>
+                <a:latin typeface="Arial" panose="020B0604020202020204" pitchFamily="34" charset="0"/>
+              </a:defRPr>
+            </a:lvl3pPr>
+            <a:lvl4pPr marL="782638" indent="-195263" defTabSz="407988">
+              <a:tabLst>
+                <a:tab pos="657225" algn="l"/>
+                <a:tab pos="1312863" algn="l"/>
+                <a:tab pos="1970088" algn="l"/>
+                <a:tab pos="2627313" algn="l"/>
+              </a:tabLst>
+              <a:defRPr>
+                <a:solidFill>
+                  <a:schemeClr val="tx1"/>
+                </a:solidFill>
+                <a:latin typeface="Arial" panose="020B0604020202020204" pitchFamily="34" charset="0"/>
+              </a:defRPr>
+            </a:lvl4pPr>
+            <a:lvl5pPr marL="979488" indent="-196850" defTabSz="407988">
+              <a:tabLst>
+                <a:tab pos="657225" algn="l"/>
+                <a:tab pos="1312863" algn="l"/>
+                <a:tab pos="1970088" algn="l"/>
+                <a:tab pos="2627313" algn="l"/>
+              </a:tabLst>
+              <a:defRPr>
+                <a:solidFill>
+                  <a:schemeClr val="tx1"/>
+                </a:solidFill>
+                <a:latin typeface="Arial" panose="020B0604020202020204" pitchFamily="34" charset="0"/>
+              </a:defRPr>
+            </a:lvl5pPr>
+            <a:lvl6pPr marL="1436688" indent="-196850" defTabSz="407988" fontAlgn="base">
+              <a:spcBef>
+                <a:spcPct val="0"/>
+              </a:spcBef>
+              <a:spcAft>
+                <a:spcPct val="0"/>
+              </a:spcAft>
+              <a:tabLst>
+                <a:tab pos="657225" algn="l"/>
+                <a:tab pos="1312863" algn="l"/>
+                <a:tab pos="1970088" algn="l"/>
+                <a:tab pos="2627313" algn="l"/>
+              </a:tabLst>
+              <a:defRPr>
+                <a:solidFill>
+                  <a:schemeClr val="tx1"/>
+                </a:solidFill>
+                <a:latin typeface="Arial" panose="020B0604020202020204" pitchFamily="34" charset="0"/>
+              </a:defRPr>
+            </a:lvl6pPr>
+            <a:lvl7pPr marL="1893888" indent="-196850" defTabSz="407988" fontAlgn="base">
+              <a:spcBef>
+                <a:spcPct val="0"/>
+              </a:spcBef>
+              <a:spcAft>
+                <a:spcPct val="0"/>
+              </a:spcAft>
+              <a:tabLst>
+                <a:tab pos="657225" algn="l"/>
+                <a:tab pos="1312863" algn="l"/>
+                <a:tab pos="1970088" algn="l"/>
+                <a:tab pos="2627313" algn="l"/>
+              </a:tabLst>
+              <a:defRPr>
+                <a:solidFill>
+                  <a:schemeClr val="tx1"/>
+                </a:solidFill>
+                <a:latin typeface="Arial" panose="020B0604020202020204" pitchFamily="34" charset="0"/>
+              </a:defRPr>
+            </a:lvl7pPr>
+            <a:lvl8pPr marL="2351088" indent="-196850" defTabSz="407988" fontAlgn="base">
+              <a:spcBef>
+                <a:spcPct val="0"/>
+              </a:spcBef>
+              <a:spcAft>
+                <a:spcPct val="0"/>
+              </a:spcAft>
+              <a:tabLst>
+                <a:tab pos="657225" algn="l"/>
+                <a:tab pos="1312863" algn="l"/>
+                <a:tab pos="1970088" algn="l"/>
+                <a:tab pos="2627313" algn="l"/>
+              </a:tabLst>
+              <a:defRPr>
+                <a:solidFill>
+                  <a:schemeClr val="tx1"/>
+                </a:solidFill>
+                <a:latin typeface="Arial" panose="020B0604020202020204" pitchFamily="34" charset="0"/>
+              </a:defRPr>
+            </a:lvl8pPr>
+            <a:lvl9pPr marL="2808288" indent="-196850" defTabSz="407988" fontAlgn="base">
+              <a:spcBef>
+                <a:spcPct val="0"/>
+              </a:spcBef>
+              <a:spcAft>
+                <a:spcPct val="0"/>
+              </a:spcAft>
+              <a:tabLst>
+                <a:tab pos="657225" algn="l"/>
+                <a:tab pos="1312863" algn="l"/>
+                <a:tab pos="1970088" algn="l"/>
+                <a:tab pos="2627313" algn="l"/>
+              </a:tabLst>
+              <a:defRPr>
+                <a:solidFill>
+                  <a:schemeClr val="tx1"/>
+                </a:solidFill>
+                <a:latin typeface="Arial" panose="020B0604020202020204" pitchFamily="34" charset="0"/>
+              </a:defRPr>
+            </a:lvl9pPr>
+          </a:lstStyle>
+          <a:p>
+            <a:pPr hangingPunct="0">
+              <a:lnSpc>
+                <a:spcPct val="93000"/>
+              </a:lnSpc>
+              <a:buClr>
+                <a:srgbClr val="000000"/>
+              </a:buClr>
+              <a:buSzPct val="45000"/>
+              <a:buFont typeface="Wingdings" pitchFamily="2" charset="2"/>
+              <a:buNone/>
+            </a:pPr>
+            <a:r>
+              <a:rPr lang="fi-FI" altLang="en-US" sz="2500" b="1">
+                <a:solidFill>
+                  <a:srgbClr val="000000"/>
+                </a:solidFill>
+              </a:rPr>
+              <a:t>Excel sheets</a:t>
+            </a:r>
+          </a:p>
+        </p:txBody>
+      </p:sp>
+      <p:sp>
+        <p:nvSpPr>
+          <p:cNvPr id="169995" name="Text Box 11">
+            <a:extLst>
+              <a:ext uri="{FF2B5EF4-FFF2-40B4-BE49-F238E27FC236}">
+                <a16:creationId xmlns:a16="http://schemas.microsoft.com/office/drawing/2014/main" id="{D23A4684-4B53-D04B-B848-1703A8C205A0}"/>
+              </a:ext>
+            </a:extLst>
+          </p:cNvPr>
+          <p:cNvSpPr txBox="1">
+            <a:spLocks noChangeArrowheads="1"/>
+          </p:cNvSpPr>
+          <p:nvPr/>
+        </p:nvSpPr>
+        <p:spPr bwMode="auto">
+          <a:xfrm>
+            <a:off x="7620000" y="4370388"/>
+            <a:ext cx="2713038" cy="442912"/>
+          </a:xfrm>
+          <a:prstGeom prst="rect">
+            <a:avLst/>
+          </a:prstGeom>
+          <a:noFill/>
+          <a:ln>
+            <a:noFill/>
+          </a:ln>
+          <a:effectLst/>
+          <a:extLst>
+            <a:ext uri="{909E8E84-426E-40DD-AFC4-6F175D3DCCD1}">
+              <a14:hiddenFill xmlns:a14="http://schemas.microsoft.com/office/drawing/2010/main">
+                <a:solidFill>
+                  <a:srgbClr val="FFFFFF"/>
+                </a:solidFill>
+              </a14:hiddenFill>
+            </a:ext>
+            <a:ext uri="{91240B29-F687-4F45-9708-019B960494DF}">
+              <a14:hiddenLine xmlns:a14="http://schemas.microsoft.com/office/drawing/2010/main" w="9525">
+                <a:solidFill>
+                  <a:srgbClr val="000000"/>
+                </a:solidFill>
+                <a:round/>
+                <a:headEnd/>
+                <a:tailEnd/>
+              </a14:hiddenLine>
+            </a:ext>
+            <a:ext uri="{AF507438-7753-43E0-B8FC-AC1667EBCBE1}">
+              <a14:hiddenEffects xmlns:a14="http://schemas.microsoft.com/office/drawing/2010/main">
+                <a:effectLst>
+                  <a:outerShdw dist="35921" dir="2700000" algn="ctr" rotWithShape="0">
+                    <a:srgbClr val="808080"/>
+                  </a:outerShdw>
+                </a:effectLst>
+              </a14:hiddenEffects>
+            </a:ext>
+          </a:extLst>
+        </p:spPr>
+        <p:txBody>
+          <a:bodyPr lIns="81631" tIns="40816" rIns="81631" bIns="40816"/>
+          <a:lstStyle>
+            <a:lvl1pPr defTabSz="407988">
+              <a:tabLst>
+                <a:tab pos="657225" algn="l"/>
+                <a:tab pos="1312863" algn="l"/>
+                <a:tab pos="1970088" algn="l"/>
+                <a:tab pos="2627313" algn="l"/>
+              </a:tabLst>
+              <a:defRPr>
+                <a:solidFill>
+                  <a:schemeClr val="tx1"/>
+                </a:solidFill>
+                <a:latin typeface="Arial" panose="020B0604020202020204" pitchFamily="34" charset="0"/>
+              </a:defRPr>
+            </a:lvl1pPr>
+            <a:lvl2pPr marL="392113" indent="-196850" defTabSz="407988">
+              <a:tabLst>
+                <a:tab pos="657225" algn="l"/>
+                <a:tab pos="1312863" algn="l"/>
+                <a:tab pos="1970088" algn="l"/>
+                <a:tab pos="2627313" algn="l"/>
+              </a:tabLst>
+              <a:defRPr>
+                <a:solidFill>
+                  <a:schemeClr val="tx1"/>
+                </a:solidFill>
+                <a:latin typeface="Arial" panose="020B0604020202020204" pitchFamily="34" charset="0"/>
+              </a:defRPr>
+            </a:lvl2pPr>
+            <a:lvl3pPr marL="587375" indent="-195263" defTabSz="407988">
+              <a:tabLst>
+                <a:tab pos="657225" algn="l"/>
+                <a:tab pos="1312863" algn="l"/>
+                <a:tab pos="1970088" algn="l"/>
+                <a:tab pos="2627313" algn="l"/>
+              </a:tabLst>
+              <a:defRPr>
+                <a:solidFill>
+                  <a:schemeClr val="tx1"/>
+                </a:solidFill>
+                <a:latin typeface="Arial" panose="020B0604020202020204" pitchFamily="34" charset="0"/>
+              </a:defRPr>
+            </a:lvl3pPr>
+            <a:lvl4pPr marL="782638" indent="-195263" defTabSz="407988">
+              <a:tabLst>
+                <a:tab pos="657225" algn="l"/>
+                <a:tab pos="1312863" algn="l"/>
+                <a:tab pos="1970088" algn="l"/>
+                <a:tab pos="2627313" algn="l"/>
+              </a:tabLst>
+              <a:defRPr>
+                <a:solidFill>
+                  <a:schemeClr val="tx1"/>
+                </a:solidFill>
+                <a:latin typeface="Arial" panose="020B0604020202020204" pitchFamily="34" charset="0"/>
+              </a:defRPr>
+            </a:lvl4pPr>
+            <a:lvl5pPr marL="979488" indent="-196850" defTabSz="407988">
+              <a:tabLst>
+                <a:tab pos="657225" algn="l"/>
+                <a:tab pos="1312863" algn="l"/>
+                <a:tab pos="1970088" algn="l"/>
+                <a:tab pos="2627313" algn="l"/>
+              </a:tabLst>
+              <a:defRPr>
+                <a:solidFill>
+                  <a:schemeClr val="tx1"/>
+                </a:solidFill>
+                <a:latin typeface="Arial" panose="020B0604020202020204" pitchFamily="34" charset="0"/>
+              </a:defRPr>
+            </a:lvl5pPr>
+            <a:lvl6pPr marL="1436688" indent="-196850" defTabSz="407988" fontAlgn="base">
+              <a:spcBef>
+                <a:spcPct val="0"/>
+              </a:spcBef>
+              <a:spcAft>
+                <a:spcPct val="0"/>
+              </a:spcAft>
+              <a:tabLst>
+                <a:tab pos="657225" algn="l"/>
+                <a:tab pos="1312863" algn="l"/>
+                <a:tab pos="1970088" algn="l"/>
+                <a:tab pos="2627313" algn="l"/>
+              </a:tabLst>
+              <a:defRPr>
+                <a:solidFill>
+                  <a:schemeClr val="tx1"/>
+                </a:solidFill>
+                <a:latin typeface="Arial" panose="020B0604020202020204" pitchFamily="34" charset="0"/>
+              </a:defRPr>
+            </a:lvl6pPr>
+            <a:lvl7pPr marL="1893888" indent="-196850" defTabSz="407988" fontAlgn="base">
+              <a:spcBef>
+                <a:spcPct val="0"/>
+              </a:spcBef>
+              <a:spcAft>
+                <a:spcPct val="0"/>
+              </a:spcAft>
+              <a:tabLst>
+                <a:tab pos="657225" algn="l"/>
+                <a:tab pos="1312863" algn="l"/>
+                <a:tab pos="1970088" algn="l"/>
+                <a:tab pos="2627313" algn="l"/>
+              </a:tabLst>
+              <a:defRPr>
+                <a:solidFill>
+                  <a:schemeClr val="tx1"/>
+                </a:solidFill>
+                <a:latin typeface="Arial" panose="020B0604020202020204" pitchFamily="34" charset="0"/>
+              </a:defRPr>
+            </a:lvl7pPr>
+            <a:lvl8pPr marL="2351088" indent="-196850" defTabSz="407988" fontAlgn="base">
+              <a:spcBef>
+                <a:spcPct val="0"/>
+              </a:spcBef>
+              <a:spcAft>
+                <a:spcPct val="0"/>
+              </a:spcAft>
+              <a:tabLst>
+                <a:tab pos="657225" algn="l"/>
+                <a:tab pos="1312863" algn="l"/>
+                <a:tab pos="1970088" algn="l"/>
+                <a:tab pos="2627313" algn="l"/>
+              </a:tabLst>
+              <a:defRPr>
+                <a:solidFill>
+                  <a:schemeClr val="tx1"/>
+                </a:solidFill>
+                <a:latin typeface="Arial" panose="020B0604020202020204" pitchFamily="34" charset="0"/>
+              </a:defRPr>
+            </a:lvl8pPr>
+            <a:lvl9pPr marL="2808288" indent="-196850" defTabSz="407988" fontAlgn="base">
+              <a:spcBef>
+                <a:spcPct val="0"/>
+              </a:spcBef>
+              <a:spcAft>
+                <a:spcPct val="0"/>
+              </a:spcAft>
+              <a:tabLst>
+                <a:tab pos="657225" algn="l"/>
+                <a:tab pos="1312863" algn="l"/>
+                <a:tab pos="1970088" algn="l"/>
+                <a:tab pos="2627313" algn="l"/>
+              </a:tabLst>
+              <a:defRPr>
+                <a:solidFill>
+                  <a:schemeClr val="tx1"/>
+                </a:solidFill>
+                <a:latin typeface="Arial" panose="020B0604020202020204" pitchFamily="34" charset="0"/>
+              </a:defRPr>
+            </a:lvl9pPr>
+          </a:lstStyle>
+          <a:p>
+            <a:pPr algn="ctr" hangingPunct="0">
+              <a:lnSpc>
+                <a:spcPct val="93000"/>
+              </a:lnSpc>
+              <a:buClr>
+                <a:srgbClr val="000000"/>
+              </a:buClr>
+              <a:buSzPct val="45000"/>
+              <a:buFont typeface="Wingdings" pitchFamily="2" charset="2"/>
+              <a:buNone/>
+            </a:pPr>
+            <a:r>
+              <a:rPr lang="fi-FI" altLang="en-US" sz="2500" b="1">
+                <a:solidFill>
+                  <a:srgbClr val="000000"/>
+                </a:solidFill>
+              </a:rPr>
+              <a:t>Images</a:t>
+            </a:r>
+          </a:p>
+        </p:txBody>
+      </p:sp>
+      <p:pic>
+        <p:nvPicPr>
+          <p:cNvPr id="169989" name="Picture 5">
+            <a:extLst>
+              <a:ext uri="{FF2B5EF4-FFF2-40B4-BE49-F238E27FC236}">
+                <a16:creationId xmlns:a16="http://schemas.microsoft.com/office/drawing/2014/main" id="{F6575900-87A1-FD46-BBBB-8D39081B6F7C}"/>
+              </a:ext>
+            </a:extLst>
+          </p:cNvPr>
+          <p:cNvPicPr>
+            <a:picLocks noChangeAspect="1" noChangeArrowheads="1"/>
+          </p:cNvPicPr>
+          <p:nvPr/>
+        </p:nvPicPr>
+        <p:blipFill>
+          <a:blip r:embed="rId5">
+            <a:extLst>
+              <a:ext uri="{28A0092B-C50C-407E-A947-70E740481C1C}">
+                <a14:useLocalDpi xmlns:a14="http://schemas.microsoft.com/office/drawing/2010/main" val="0"/>
+              </a:ext>
+            </a:extLst>
+          </a:blip>
+          <a:srcRect/>
+          <a:stretch>
+            <a:fillRect/>
+          </a:stretch>
+        </p:blipFill>
+        <p:spPr bwMode="auto">
+          <a:xfrm>
+            <a:off x="5334001" y="4751388"/>
+            <a:ext cx="4900613" cy="1420812"/>
+          </a:xfrm>
+          <a:prstGeom prst="rect">
+            <a:avLst/>
+          </a:prstGeom>
+          <a:noFill/>
+          <a:ln>
+            <a:noFill/>
+          </a:ln>
+          <a:effectLst/>
+          <a:extLst>
+            <a:ext uri="{909E8E84-426E-40DD-AFC4-6F175D3DCCD1}">
+              <a14:hiddenFill xmlns:a14="http://schemas.microsoft.com/office/drawing/2010/main">
+                <a:blipFill dpi="0" rotWithShape="0">
+                  <a:blip/>
+                  <a:srcRect/>
+                  <a:stretch>
+                    <a:fillRect/>
+                  </a:stretch>
+                </a:blipFill>
+              </a14:hiddenFill>
+            </a:ext>
+            <a:ext uri="{91240B29-F687-4F45-9708-019B960494DF}">
+              <a14:hiddenLine xmlns:a14="http://schemas.microsoft.com/office/drawing/2010/main" w="9525">
+                <a:solidFill>
+                  <a:srgbClr val="000000"/>
+                </a:solidFill>
+                <a:round/>
+                <a:headEnd/>
+                <a:tailEnd/>
+              </a14:hiddenLine>
+            </a:ext>
+            <a:ext uri="{AF507438-7753-43E0-B8FC-AC1667EBCBE1}">
+              <a14:hiddenEffects xmlns:a14="http://schemas.microsoft.com/office/drawing/2010/main">
+                <a:effectLst>
+                  <a:outerShdw dist="35921" dir="2700000" algn="ctr" rotWithShape="0">
+                    <a:srgbClr val="808080"/>
+                  </a:outerShdw>
+                </a:effectLst>
+              </a14:hiddenEffects>
+            </a:ext>
+          </a:extLst>
+        </p:spPr>
+      </p:pic>
+    </p:spTree>
+    <p:extLst>
+      <p:ext uri="{BB962C8B-B14F-4D97-AF65-F5344CB8AC3E}">
+        <p14:creationId xmlns:p14="http://schemas.microsoft.com/office/powerpoint/2010/main" val="2654593947"/>
+      </p:ext>
+    </p:extLst>
+  </p:cSld>
+  <p:clrMapOvr>
+    <a:masterClrMapping/>
+  </p:clrMapOvr>
+  <p:transition spd="med"/>
+  <p:timing>
+    <p:tnLst>
+      <p:par>
+        <p:cTn id="1" dur="indefinite" nodeType="tmRoot">
+          <p:childTnLst>
+            <p:seq concurrent="1" nextAc="seek">
+              <p:cTn id="2" dur="0" nodeType="mainSeq"/>
+              <p:prevCondLst>
+                <p:cond evt="onPrev" delay="0">
+                  <p:tgtEl>
+                    <p:sldTgt/>
+                  </p:tgtEl>
+                </p:cond>
+              </p:prevCondLst>
+              <p:nextCondLst>
+                <p:cond evt="onNext" delay="0">
+                  <p:tgtEl>
+                    <p:sldTgt/>
+                  </p:tgtEl>
+                </p:cond>
+              </p:nextCondLst>
+            </p:seq>
+          </p:childTnLst>
+        </p:cTn>
+      </p:par>
+    </p:tnLst>
+  </p:timing>
+</p:sld>
+</file>
+
 <file path=ppt/slides/slide2.xml><?xml version="1.0" encoding="utf-8"?>
 <p:sld xmlns:a="http://schemas.openxmlformats.org/drawingml/2006/main" xmlns:r="http://schemas.openxmlformats.org/officeDocument/2006/relationships" xmlns:p="http://schemas.openxmlformats.org/presentationml/2006/main">
   <p:cSld>
@@ -4340,7 +5876,7 @@
           <a:p>
             <a:r>
               <a:rPr lang="en-US" dirty="0"/>
-              <a:t>Describe the considerations and challenges around choosing how to represent network data for analysis and modeling</a:t>
+              <a:t>Understand the security mindset when thinking about attack models</a:t>
             </a:r>
           </a:p>
           <a:p>
@@ -4349,11 +5885,7 @@
           <a:p>
             <a:r>
               <a:rPr lang="en-US" dirty="0"/>
-              <a:t>Load network traffic that has been collected into </a:t>
-            </a:r>
-            <a:r>
-              <a:rPr lang="en-US"/>
-              <a:t>software libraries</a:t>
+              <a:t>Learn about how cybersecurity models have been evaded in the past</a:t>
             </a:r>
           </a:p>
           <a:p>
@@ -4362,7 +5894,7 @@
           <a:p>
             <a:r>
               <a:rPr lang="en-US" dirty="0"/>
-              <a:t>Represent your network data in ways that can be inputted into machine learning models</a:t>
+              <a:t>Learn about attacks on modern ML systems, and defenses against those attacks</a:t>
             </a:r>
           </a:p>
           <a:p>
@@ -4423,7 +5955,7 @@
           <a:p>
             <a:r>
               <a:rPr lang="en-US" dirty="0"/>
-              <a:t>DEEP Learning</a:t>
+              <a:t>Security Mindset</a:t>
             </a:r>
           </a:p>
         </p:txBody>
@@ -4431,7 +5963,7 @@
     </p:spTree>
     <p:extLst>
       <p:ext uri="{BB962C8B-B14F-4D97-AF65-F5344CB8AC3E}">
-        <p14:creationId xmlns:p14="http://schemas.microsoft.com/office/powerpoint/2010/main" val="1616667068"/>
+        <p14:creationId xmlns:p14="http://schemas.microsoft.com/office/powerpoint/2010/main" val="2056402309"/>
       </p:ext>
     </p:extLst>
   </p:cSld>
@@ -4460,18 +5992,129 @@
       </p:grpSpPr>
       <p:sp>
         <p:nvSpPr>
-          <p:cNvPr id="5" name="Title 4">
-            <a:extLst>
-              <a:ext uri="{FF2B5EF4-FFF2-40B4-BE49-F238E27FC236}">
-                <a16:creationId xmlns:a16="http://schemas.microsoft.com/office/drawing/2014/main" id="{3C485A7A-6D4C-6449-95D3-D40C9E876BB6}"/>
-              </a:ext>
-            </a:extLst>
-          </p:cNvPr>
+          <p:cNvPr id="2" name="Title 1"/>
           <p:cNvSpPr>
             <a:spLocks noGrp="1"/>
           </p:cNvSpPr>
           <p:nvPr>
-            <p:ph type="ctrTitle"/>
+            <p:ph type="title"/>
+          </p:nvPr>
+        </p:nvSpPr>
+        <p:spPr/>
+        <p:txBody>
+          <a:bodyPr/>
+          <a:lstStyle/>
+          <a:p>
+            <a:r>
+              <a:rPr lang="en-US"/>
+              <a:t>“Know your enemy.”</a:t>
+            </a:r>
+            <a:endParaRPr lang="en-US" dirty="0"/>
+          </a:p>
+        </p:txBody>
+      </p:sp>
+      <p:sp>
+        <p:nvSpPr>
+          <p:cNvPr id="3" name="Content Placeholder 2"/>
+          <p:cNvSpPr>
+            <a:spLocks noGrp="1"/>
+          </p:cNvSpPr>
+          <p:nvPr>
+            <p:ph idx="1"/>
+          </p:nvPr>
+        </p:nvSpPr>
+        <p:spPr/>
+        <p:txBody>
+          <a:bodyPr/>
+          <a:lstStyle/>
+          <a:p>
+            <a:r>
+              <a:rPr lang="en-US"/>
+              <a:t>Motives?</a:t>
+            </a:r>
+          </a:p>
+          <a:p>
+            <a:endParaRPr lang="en-US"/>
+          </a:p>
+          <a:p>
+            <a:r>
+              <a:rPr lang="en-US"/>
+              <a:t>Capabilities?</a:t>
+            </a:r>
+          </a:p>
+          <a:p>
+            <a:endParaRPr lang="en-US"/>
+          </a:p>
+          <a:p>
+            <a:r>
+              <a:rPr lang="en-US"/>
+              <a:t>Degrees of access?</a:t>
+            </a:r>
+            <a:endParaRPr lang="en-US" dirty="0"/>
+          </a:p>
+        </p:txBody>
+      </p:sp>
+    </p:spTree>
+    <p:extLst>
+      <p:ext uri="{BB962C8B-B14F-4D97-AF65-F5344CB8AC3E}">
+        <p14:creationId xmlns:p14="http://schemas.microsoft.com/office/powerpoint/2010/main" val="1612417364"/>
+      </p:ext>
+    </p:extLst>
+  </p:cSld>
+  <p:clrMapOvr>
+    <a:masterClrMapping/>
+  </p:clrMapOvr>
+</p:sld>
+</file>
+
+<file path=ppt/slides/slide6.xml><?xml version="1.0" encoding="utf-8"?>
+<p:sld xmlns:a="http://schemas.openxmlformats.org/drawingml/2006/main" xmlns:r="http://schemas.openxmlformats.org/officeDocument/2006/relationships" xmlns:p="http://schemas.openxmlformats.org/presentationml/2006/main">
+  <p:cSld>
+    <p:spTree>
+      <p:nvGrpSpPr>
+        <p:cNvPr id="1" name=""/>
+        <p:cNvGrpSpPr/>
+        <p:nvPr/>
+      </p:nvGrpSpPr>
+      <p:grpSpPr>
+        <a:xfrm>
+          <a:off x="0" y="0"/>
+          <a:ext cx="0" cy="0"/>
+          <a:chOff x="0" y="0"/>
+          <a:chExt cx="0" cy="0"/>
+        </a:xfrm>
+      </p:grpSpPr>
+      <p:sp>
+        <p:nvSpPr>
+          <p:cNvPr id="2" name="Title 1"/>
+          <p:cNvSpPr>
+            <a:spLocks noGrp="1"/>
+          </p:cNvSpPr>
+          <p:nvPr>
+            <p:ph type="title"/>
+          </p:nvPr>
+        </p:nvSpPr>
+        <p:spPr/>
+        <p:txBody>
+          <a:bodyPr/>
+          <a:lstStyle/>
+          <a:p>
+            <a:r>
+              <a:rPr lang="en-US"/>
+              <a:t>The Security Mindset</a:t>
+            </a:r>
+            <a:endParaRPr lang="en-US" dirty="0"/>
+          </a:p>
+        </p:txBody>
+      </p:sp>
+      <p:sp>
+        <p:nvSpPr>
+          <p:cNvPr id="3" name="Content Placeholder 2"/>
+          <p:cNvSpPr>
+            <a:spLocks noGrp="1"/>
+          </p:cNvSpPr>
+          <p:nvPr>
+            <p:ph idx="1"/>
           </p:nvPr>
         </p:nvSpPr>
         <p:spPr/>
@@ -4482,15 +6125,63 @@
           <a:lstStyle/>
           <a:p>
             <a:r>
-              <a:rPr lang="en-US" sz="4000" dirty="0"/>
-              <a:t>DEMONSTRATION:</a:t>
+              <a:rPr lang="en-US" dirty="0"/>
+              <a:t>Thinking like an attacker</a:t>
+            </a:r>
+          </a:p>
+          <a:p>
+            <a:pPr lvl="1"/>
+            <a:r>
+              <a:rPr lang="en-US" dirty="0"/>
+              <a:t>Understand techniques for circumventing security.</a:t>
+            </a:r>
+          </a:p>
+          <a:p>
+            <a:pPr lvl="1"/>
+            <a:r>
+              <a:rPr lang="en-US" dirty="0"/>
+              <a:t>Look for ways security can break, </a:t>
             </a:r>
             <a:br>
-              <a:rPr lang="en-US" sz="4000" dirty="0"/>
+              <a:rPr lang="en-US" dirty="0"/>
             </a:br>
             <a:r>
-              <a:rPr lang="en-US" sz="4000" dirty="0"/>
-              <a:t>DENIAL OF SERVICE</a:t>
+              <a:rPr lang="en-US" dirty="0"/>
+              <a:t>not reasons why it won’t.</a:t>
+            </a:r>
+          </a:p>
+          <a:p>
+            <a:r>
+              <a:rPr lang="en-US" dirty="0"/>
+              <a:t>Thinking like a defender</a:t>
+            </a:r>
+          </a:p>
+          <a:p>
+            <a:pPr lvl="1"/>
+            <a:r>
+              <a:rPr lang="en-US" dirty="0"/>
+              <a:t>Know what you’re defending, and against whom.</a:t>
+            </a:r>
+          </a:p>
+          <a:p>
+            <a:pPr lvl="1"/>
+            <a:r>
+              <a:rPr lang="en-US" dirty="0"/>
+              <a:t>Weigh benefits vs. costs:</a:t>
+            </a:r>
+            <a:br>
+              <a:rPr lang="en-US" dirty="0"/>
+            </a:br>
+            <a:r>
+              <a:rPr lang="en-US" dirty="0"/>
+              <a:t>No system is ever completely secure.</a:t>
+            </a:r>
+          </a:p>
+          <a:p>
+            <a:pPr lvl="1"/>
+            <a:r>
+              <a:rPr lang="en-US" dirty="0"/>
+              <a:t>“Rational paranoia!”</a:t>
             </a:r>
           </a:p>
         </p:txBody>
@@ -4498,7 +6189,537 @@
     </p:spTree>
     <p:extLst>
       <p:ext uri="{BB962C8B-B14F-4D97-AF65-F5344CB8AC3E}">
-        <p14:creationId xmlns:p14="http://schemas.microsoft.com/office/powerpoint/2010/main" val="2372790801"/>
+        <p14:creationId xmlns:p14="http://schemas.microsoft.com/office/powerpoint/2010/main" val="4001041144"/>
+      </p:ext>
+    </p:extLst>
+  </p:cSld>
+  <p:clrMapOvr>
+    <a:masterClrMapping/>
+  </p:clrMapOvr>
+</p:sld>
+</file>
+
+<file path=ppt/slides/slide7.xml><?xml version="1.0" encoding="utf-8"?>
+<p:sld xmlns:a="http://schemas.openxmlformats.org/drawingml/2006/main" xmlns:r="http://schemas.openxmlformats.org/officeDocument/2006/relationships" xmlns:p="http://schemas.openxmlformats.org/presentationml/2006/main">
+  <p:cSld>
+    <p:spTree>
+      <p:nvGrpSpPr>
+        <p:cNvPr id="1" name=""/>
+        <p:cNvGrpSpPr/>
+        <p:nvPr/>
+      </p:nvGrpSpPr>
+      <p:grpSpPr>
+        <a:xfrm>
+          <a:off x="0" y="0"/>
+          <a:ext cx="0" cy="0"/>
+          <a:chOff x="0" y="0"/>
+          <a:chExt cx="0" cy="0"/>
+        </a:xfrm>
+      </p:grpSpPr>
+      <p:sp>
+        <p:nvSpPr>
+          <p:cNvPr id="2" name="Title 1"/>
+          <p:cNvSpPr>
+            <a:spLocks noGrp="1"/>
+          </p:cNvSpPr>
+          <p:nvPr>
+            <p:ph type="title"/>
+          </p:nvPr>
+        </p:nvSpPr>
+        <p:spPr/>
+        <p:txBody>
+          <a:bodyPr/>
+          <a:lstStyle/>
+          <a:p>
+            <a:r>
+              <a:rPr lang="en-US"/>
+              <a:t>High-Level Approaches</a:t>
+            </a:r>
+            <a:endParaRPr lang="en-US" dirty="0"/>
+          </a:p>
+        </p:txBody>
+      </p:sp>
+      <p:sp>
+        <p:nvSpPr>
+          <p:cNvPr id="4" name="TextBox 3"/>
+          <p:cNvSpPr txBox="1"/>
+          <p:nvPr/>
+        </p:nvSpPr>
+        <p:spPr>
+          <a:xfrm>
+            <a:off x="1552122" y="3312934"/>
+            <a:ext cx="2901756" cy="995209"/>
+          </a:xfrm>
+          <a:prstGeom prst="rect">
+            <a:avLst/>
+          </a:prstGeom>
+          <a:noFill/>
+        </p:spPr>
+        <p:txBody>
+          <a:bodyPr wrap="none" rtlCol="0">
+            <a:spAutoFit/>
+          </a:bodyPr>
+          <a:lstStyle/>
+          <a:p>
+            <a:r>
+              <a:rPr lang="en-US" sz="5867" b="1" dirty="0"/>
+              <a:t>Attacks</a:t>
+            </a:r>
+          </a:p>
+        </p:txBody>
+      </p:sp>
+      <p:sp>
+        <p:nvSpPr>
+          <p:cNvPr id="5" name="TextBox 4"/>
+          <p:cNvSpPr txBox="1"/>
+          <p:nvPr/>
+        </p:nvSpPr>
+        <p:spPr>
+          <a:xfrm>
+            <a:off x="7421971" y="3312934"/>
+            <a:ext cx="3530133" cy="995209"/>
+          </a:xfrm>
+          <a:prstGeom prst="rect">
+            <a:avLst/>
+          </a:prstGeom>
+          <a:noFill/>
+        </p:spPr>
+        <p:txBody>
+          <a:bodyPr wrap="none" rtlCol="0">
+            <a:spAutoFit/>
+          </a:bodyPr>
+          <a:lstStyle/>
+          <a:p>
+            <a:pPr algn="ctr"/>
+            <a:r>
+              <a:rPr lang="en-US" sz="5867" b="1" dirty="0"/>
+              <a:t>Defenses</a:t>
+            </a:r>
+          </a:p>
+        </p:txBody>
+      </p:sp>
+      <p:sp>
+        <p:nvSpPr>
+          <p:cNvPr id="6" name="Curved Down Arrow 5"/>
+          <p:cNvSpPr/>
+          <p:nvPr/>
+        </p:nvSpPr>
+        <p:spPr>
+          <a:xfrm>
+            <a:off x="2669721" y="1540328"/>
+            <a:ext cx="7112000" cy="1650045"/>
+          </a:xfrm>
+          <a:prstGeom prst="curvedDownArrow">
+            <a:avLst/>
+          </a:prstGeom>
+        </p:spPr>
+        <p:style>
+          <a:lnRef idx="2">
+            <a:schemeClr val="accent1">
+              <a:shade val="50000"/>
+            </a:schemeClr>
+          </a:lnRef>
+          <a:fillRef idx="1">
+            <a:schemeClr val="accent1"/>
+          </a:fillRef>
+          <a:effectRef idx="0">
+            <a:schemeClr val="accent1"/>
+          </a:effectRef>
+          <a:fontRef idx="minor">
+            <a:schemeClr val="lt1"/>
+          </a:fontRef>
+        </p:style>
+        <p:txBody>
+          <a:bodyPr rtlCol="0" anchor="ctr"/>
+          <a:lstStyle/>
+          <a:p>
+            <a:pPr algn="ctr"/>
+            <a:endParaRPr lang="en-US" sz="2400">
+              <a:solidFill>
+                <a:schemeClr val="tx1"/>
+              </a:solidFill>
+            </a:endParaRPr>
+          </a:p>
+        </p:txBody>
+      </p:sp>
+      <p:sp>
+        <p:nvSpPr>
+          <p:cNvPr id="7" name="Curved Down Arrow 6"/>
+          <p:cNvSpPr/>
+          <p:nvPr/>
+        </p:nvSpPr>
+        <p:spPr>
+          <a:xfrm rot="10800000">
+            <a:off x="2364922" y="4233684"/>
+            <a:ext cx="7112000" cy="1650045"/>
+          </a:xfrm>
+          <a:prstGeom prst="curvedDownArrow">
+            <a:avLst/>
+          </a:prstGeom>
+        </p:spPr>
+        <p:style>
+          <a:lnRef idx="2">
+            <a:schemeClr val="accent1">
+              <a:shade val="50000"/>
+            </a:schemeClr>
+          </a:lnRef>
+          <a:fillRef idx="1">
+            <a:schemeClr val="accent1"/>
+          </a:fillRef>
+          <a:effectRef idx="0">
+            <a:schemeClr val="accent1"/>
+          </a:effectRef>
+          <a:fontRef idx="minor">
+            <a:schemeClr val="lt1"/>
+          </a:fontRef>
+        </p:style>
+        <p:txBody>
+          <a:bodyPr rtlCol="0" anchor="ctr"/>
+          <a:lstStyle/>
+          <a:p>
+            <a:pPr algn="ctr"/>
+            <a:endParaRPr lang="en-US" sz="2400">
+              <a:solidFill>
+                <a:schemeClr val="tx1"/>
+              </a:solidFill>
+            </a:endParaRPr>
+          </a:p>
+        </p:txBody>
+      </p:sp>
+    </p:spTree>
+    <p:extLst>
+      <p:ext uri="{BB962C8B-B14F-4D97-AF65-F5344CB8AC3E}">
+        <p14:creationId xmlns:p14="http://schemas.microsoft.com/office/powerpoint/2010/main" val="1750235665"/>
+      </p:ext>
+    </p:extLst>
+  </p:cSld>
+  <p:clrMapOvr>
+    <a:masterClrMapping/>
+  </p:clrMapOvr>
+</p:sld>
+</file>
+
+<file path=ppt/slides/slide8.xml><?xml version="1.0" encoding="utf-8"?>
+<p:sld xmlns:a="http://schemas.openxmlformats.org/drawingml/2006/main" xmlns:r="http://schemas.openxmlformats.org/officeDocument/2006/relationships" xmlns:p="http://schemas.openxmlformats.org/presentationml/2006/main">
+  <p:cSld>
+    <p:spTree>
+      <p:nvGrpSpPr>
+        <p:cNvPr id="1" name=""/>
+        <p:cNvGrpSpPr/>
+        <p:nvPr/>
+      </p:nvGrpSpPr>
+      <p:grpSpPr>
+        <a:xfrm>
+          <a:off x="0" y="0"/>
+          <a:ext cx="0" cy="0"/>
+          <a:chOff x="0" y="0"/>
+          <a:chExt cx="0" cy="0"/>
+        </a:xfrm>
+      </p:grpSpPr>
+      <p:sp>
+        <p:nvSpPr>
+          <p:cNvPr id="2" name="Title 1"/>
+          <p:cNvSpPr>
+            <a:spLocks noGrp="1"/>
+          </p:cNvSpPr>
+          <p:nvPr>
+            <p:ph type="title"/>
+          </p:nvPr>
+        </p:nvSpPr>
+        <p:spPr/>
+        <p:txBody>
+          <a:bodyPr/>
+          <a:lstStyle/>
+          <a:p>
+            <a:r>
+              <a:rPr lang="en-US"/>
+              <a:t>Why Study Attacks?</a:t>
+            </a:r>
+            <a:endParaRPr lang="en-US" dirty="0"/>
+          </a:p>
+        </p:txBody>
+      </p:sp>
+      <p:sp>
+        <p:nvSpPr>
+          <p:cNvPr id="4" name="Content Placeholder 3"/>
+          <p:cNvSpPr>
+            <a:spLocks noGrp="1"/>
+          </p:cNvSpPr>
+          <p:nvPr>
+            <p:ph idx="1"/>
+          </p:nvPr>
+        </p:nvSpPr>
+        <p:spPr/>
+        <p:txBody>
+          <a:bodyPr>
+            <a:normAutofit/>
+          </a:bodyPr>
+          <a:lstStyle/>
+          <a:p>
+            <a:r>
+              <a:rPr lang="en-US" sz="3200" dirty="0"/>
+              <a:t>Identify vulnerabilities so they can be fixed.</a:t>
+            </a:r>
+          </a:p>
+          <a:p>
+            <a:r>
+              <a:rPr lang="en-US" sz="3200" dirty="0"/>
+              <a:t>Create incentives for vendors to be careful.</a:t>
+            </a:r>
+          </a:p>
+          <a:p>
+            <a:r>
+              <a:rPr lang="en-US" sz="3200" dirty="0"/>
+              <a:t>Learn about new classes of threats.</a:t>
+            </a:r>
+          </a:p>
+          <a:p>
+            <a:pPr lvl="1"/>
+            <a:r>
+              <a:rPr lang="en-US" sz="2800" dirty="0"/>
+              <a:t>Determine what we need to defend against.</a:t>
+            </a:r>
+          </a:p>
+          <a:p>
+            <a:pPr lvl="1"/>
+            <a:r>
+              <a:rPr lang="en-US" sz="2800" dirty="0"/>
+              <a:t>Help designers build stronger systems.</a:t>
+            </a:r>
+          </a:p>
+          <a:p>
+            <a:pPr lvl="1"/>
+            <a:r>
+              <a:rPr lang="en-US" sz="2800" dirty="0"/>
+              <a:t>Help users more accurately evaluate risk.</a:t>
+            </a:r>
+          </a:p>
+          <a:p>
+            <a:pPr lvl="1"/>
+            <a:endParaRPr lang="en-US" sz="2800" dirty="0"/>
+          </a:p>
+          <a:p>
+            <a:pPr lvl="1"/>
+            <a:endParaRPr lang="en-US" sz="2800" dirty="0"/>
+          </a:p>
+        </p:txBody>
+      </p:sp>
+    </p:spTree>
+    <p:extLst>
+      <p:ext uri="{BB962C8B-B14F-4D97-AF65-F5344CB8AC3E}">
+        <p14:creationId xmlns:p14="http://schemas.microsoft.com/office/powerpoint/2010/main" val="36913685"/>
+      </p:ext>
+    </p:extLst>
+  </p:cSld>
+  <p:clrMapOvr>
+    <a:masterClrMapping/>
+  </p:clrMapOvr>
+</p:sld>
+</file>
+
+<file path=ppt/slides/slide9.xml><?xml version="1.0" encoding="utf-8"?>
+<p:sld xmlns:a="http://schemas.openxmlformats.org/drawingml/2006/main" xmlns:r="http://schemas.openxmlformats.org/officeDocument/2006/relationships" xmlns:p="http://schemas.openxmlformats.org/presentationml/2006/main">
+  <p:cSld>
+    <p:spTree>
+      <p:nvGrpSpPr>
+        <p:cNvPr id="1" name=""/>
+        <p:cNvGrpSpPr/>
+        <p:nvPr/>
+      </p:nvGrpSpPr>
+      <p:grpSpPr>
+        <a:xfrm>
+          <a:off x="0" y="0"/>
+          <a:ext cx="0" cy="0"/>
+          <a:chOff x="0" y="0"/>
+          <a:chExt cx="0" cy="0"/>
+        </a:xfrm>
+      </p:grpSpPr>
+      <p:sp>
+        <p:nvSpPr>
+          <p:cNvPr id="2" name="Title 1"/>
+          <p:cNvSpPr>
+            <a:spLocks noGrp="1"/>
+          </p:cNvSpPr>
+          <p:nvPr>
+            <p:ph type="title"/>
+          </p:nvPr>
+        </p:nvSpPr>
+        <p:spPr/>
+        <p:txBody>
+          <a:bodyPr/>
+          <a:lstStyle/>
+          <a:p>
+            <a:r>
+              <a:rPr lang="en-US"/>
+              <a:t>Thinking as a Defender</a:t>
+            </a:r>
+            <a:endParaRPr lang="en-US" dirty="0"/>
+          </a:p>
+        </p:txBody>
+      </p:sp>
+      <p:sp>
+        <p:nvSpPr>
+          <p:cNvPr id="3" name="Content Placeholder 2"/>
+          <p:cNvSpPr>
+            <a:spLocks noGrp="1"/>
+          </p:cNvSpPr>
+          <p:nvPr>
+            <p:ph idx="1"/>
+          </p:nvPr>
+        </p:nvSpPr>
+        <p:spPr/>
+        <p:txBody>
+          <a:bodyPr>
+            <a:normAutofit fontScale="70000" lnSpcReduction="20000"/>
+          </a:bodyPr>
+          <a:lstStyle/>
+          <a:p>
+            <a:r>
+              <a:rPr lang="en-US" dirty="0"/>
+              <a:t>Security policy</a:t>
+            </a:r>
+          </a:p>
+          <a:p>
+            <a:pPr lvl="1"/>
+            <a:r>
+              <a:rPr lang="en-US" dirty="0"/>
+              <a:t>What are we trying to protect?</a:t>
+            </a:r>
+          </a:p>
+          <a:p>
+            <a:pPr lvl="1"/>
+            <a:r>
+              <a:rPr lang="en-US" dirty="0"/>
+              <a:t>What properties are we trying to enforce?</a:t>
+            </a:r>
+          </a:p>
+          <a:p>
+            <a:r>
+              <a:rPr lang="en-US" dirty="0"/>
+              <a:t>Threat model </a:t>
+            </a:r>
+          </a:p>
+          <a:p>
+            <a:pPr lvl="1"/>
+            <a:r>
+              <a:rPr lang="en-US" dirty="0"/>
+              <a:t>Who are the attackers? Capabilities? Motivations?</a:t>
+            </a:r>
+          </a:p>
+          <a:p>
+            <a:pPr lvl="1"/>
+            <a:r>
+              <a:rPr lang="en-US" dirty="0"/>
+              <a:t>What kind of attack are we trying  to prevent?</a:t>
+            </a:r>
+          </a:p>
+          <a:p>
+            <a:r>
+              <a:rPr lang="en-US" dirty="0"/>
+              <a:t>Risk assessment</a:t>
+            </a:r>
+          </a:p>
+          <a:p>
+            <a:pPr lvl="1"/>
+            <a:r>
+              <a:rPr lang="en-US" dirty="0"/>
+              <a:t>What are the weaknesses of the system?</a:t>
+            </a:r>
+          </a:p>
+          <a:p>
+            <a:pPr lvl="1"/>
+            <a:r>
+              <a:rPr lang="en-US" dirty="0"/>
+              <a:t>What will successful attacks cost us?</a:t>
+            </a:r>
+          </a:p>
+          <a:p>
+            <a:pPr lvl="1"/>
+            <a:r>
+              <a:rPr lang="en-US" dirty="0"/>
+              <a:t>How likely?</a:t>
+            </a:r>
+          </a:p>
+          <a:p>
+            <a:r>
+              <a:rPr lang="en-US" dirty="0"/>
+              <a:t>Countermeasures</a:t>
+            </a:r>
+          </a:p>
+          <a:p>
+            <a:pPr lvl="1"/>
+            <a:r>
+              <a:rPr lang="en-US" dirty="0"/>
+              <a:t>Costs vs. benefits?</a:t>
+            </a:r>
+          </a:p>
+          <a:p>
+            <a:pPr lvl="1"/>
+            <a:r>
+              <a:rPr lang="en-US" dirty="0"/>
+              <a:t>Technical vs. nontechnical?</a:t>
+            </a:r>
+          </a:p>
+        </p:txBody>
+      </p:sp>
+      <p:sp>
+        <p:nvSpPr>
+          <p:cNvPr id="4" name="Rectangle 3"/>
+          <p:cNvSpPr/>
+          <p:nvPr/>
+        </p:nvSpPr>
+        <p:spPr>
+          <a:xfrm>
+            <a:off x="7952921" y="2411186"/>
+            <a:ext cx="3962400" cy="1828800"/>
+          </a:xfrm>
+          <a:prstGeom prst="rect">
+            <a:avLst/>
+          </a:prstGeom>
+        </p:spPr>
+        <p:style>
+          <a:lnRef idx="2">
+            <a:schemeClr val="accent1">
+              <a:shade val="50000"/>
+            </a:schemeClr>
+          </a:lnRef>
+          <a:fillRef idx="1">
+            <a:schemeClr val="accent1"/>
+          </a:fillRef>
+          <a:effectRef idx="0">
+            <a:schemeClr val="accent1"/>
+          </a:effectRef>
+          <a:fontRef idx="minor">
+            <a:schemeClr val="lt1"/>
+          </a:fontRef>
+        </p:style>
+        <p:txBody>
+          <a:bodyPr rtlCol="0" anchor="ctr"/>
+          <a:lstStyle/>
+          <a:p>
+            <a:pPr algn="ctr">
+              <a:spcBef>
+                <a:spcPts val="800"/>
+              </a:spcBef>
+            </a:pPr>
+            <a:r>
+              <a:rPr lang="en-US" sz="3200" dirty="0"/>
+              <a:t>Challenge is to think rationally and rigorously about risk.</a:t>
+            </a:r>
+            <a:br>
+              <a:rPr lang="en-US" sz="3200" dirty="0"/>
+            </a:br>
+            <a:r>
+              <a:rPr lang="en-US" sz="3200" i="1" dirty="0"/>
+              <a:t>Rational paranoia.</a:t>
+            </a:r>
+          </a:p>
+        </p:txBody>
+      </p:sp>
+    </p:spTree>
+    <p:extLst>
+      <p:ext uri="{BB962C8B-B14F-4D97-AF65-F5344CB8AC3E}">
+        <p14:creationId xmlns:p14="http://schemas.microsoft.com/office/powerpoint/2010/main" val="4206286453"/>
       </p:ext>
     </p:extLst>
   </p:cSld>

--- a/module-3/ppt/3.5-Evasion.pptx
+++ b/module-3/ppt/3.5-Evasion.pptx
@@ -542,7 +542,7 @@
             </a:extLst>
           </p:cNvPr>
           <p:cNvSpPr txBox="1">
-            <a:spLocks noChangeArrowheads="1" noTextEdit="1"/>
+            <a:spLocks noGrp="1" noRot="1" noChangeAspect="1" noChangeArrowheads="1" noTextEdit="1"/>
           </p:cNvSpPr>
           <p:nvPr>
             <p:ph type="sldImg"/>
@@ -566,7 +566,7 @@
             </a:extLst>
           </p:cNvPr>
           <p:cNvSpPr txBox="1">
-            <a:spLocks noChangeArrowheads="1"/>
+            <a:spLocks noGrp="1" noChangeArrowheads="1"/>
           </p:cNvSpPr>
           <p:nvPr>
             <p:ph type="body" idx="1"/>
@@ -5721,7 +5721,7 @@
   <p:timing>
     <p:tnLst>
       <p:par>
-        <p:cTn id="1" dur="indefinite" nodeType="tmRoot">
+        <p:cTn id="1" dur="indefinite" restart="never" nodeType="tmRoot">
           <p:childTnLst>
             <p:seq concurrent="1" nextAc="seek">
               <p:cTn id="2" dur="0" nodeType="mainSeq"/>
